--- a/img/front-icons.pptx
+++ b/img/front-icons.pptx
@@ -108,6 +108,11 @@
       </a:defRPr>
     </a:lvl9pPr>
   </p:defaultTextStyle>
+  <p:extLst>
+    <p:ext uri="{EFAFB233-063F-42B5-8137-9DF3F51BA10A}">
+      <p15:sldGuideLst xmlns:p15="http://schemas.microsoft.com/office/powerpoint/2012/main"/>
+    </p:ext>
+  </p:extLst>
 </p:presentation>
 </file>
 
@@ -193,7 +198,7 @@
           <a:p>
             <a:fld id="{DF4EB73B-7135-9A49-8581-35BCD602598F}" type="datetimeFigureOut">
               <a:rPr lang="en-US" smtClean="0"/>
-              <a:t>10/23/18</a:t>
+              <a:t>3/8/19</a:t>
             </a:fld>
             <a:endParaRPr lang="en-US"/>
           </a:p>
@@ -691,7 +696,7 @@
           <a:p>
             <a:fld id="{AC5057A5-7B50-F146-AD5E-2E1A34655ECF}" type="datetimeFigureOut">
               <a:rPr lang="en-US" smtClean="0"/>
-              <a:t>10/22/18</a:t>
+              <a:t>3/8/19</a:t>
             </a:fld>
             <a:endParaRPr lang="en-US"/>
           </a:p>
@@ -889,7 +894,7 @@
           <a:p>
             <a:fld id="{AC5057A5-7B50-F146-AD5E-2E1A34655ECF}" type="datetimeFigureOut">
               <a:rPr lang="en-US" smtClean="0"/>
-              <a:t>10/22/18</a:t>
+              <a:t>3/8/19</a:t>
             </a:fld>
             <a:endParaRPr lang="en-US"/>
           </a:p>
@@ -1097,7 +1102,7 @@
           <a:p>
             <a:fld id="{AC5057A5-7B50-F146-AD5E-2E1A34655ECF}" type="datetimeFigureOut">
               <a:rPr lang="en-US" smtClean="0"/>
-              <a:t>10/22/18</a:t>
+              <a:t>3/8/19</a:t>
             </a:fld>
             <a:endParaRPr lang="en-US"/>
           </a:p>
@@ -1295,7 +1300,7 @@
           <a:p>
             <a:fld id="{AC5057A5-7B50-F146-AD5E-2E1A34655ECF}" type="datetimeFigureOut">
               <a:rPr lang="en-US" smtClean="0"/>
-              <a:t>10/22/18</a:t>
+              <a:t>3/8/19</a:t>
             </a:fld>
             <a:endParaRPr lang="en-US"/>
           </a:p>
@@ -1570,7 +1575,7 @@
           <a:p>
             <a:fld id="{AC5057A5-7B50-F146-AD5E-2E1A34655ECF}" type="datetimeFigureOut">
               <a:rPr lang="en-US" smtClean="0"/>
-              <a:t>10/22/18</a:t>
+              <a:t>3/8/19</a:t>
             </a:fld>
             <a:endParaRPr lang="en-US"/>
           </a:p>
@@ -1835,7 +1840,7 @@
           <a:p>
             <a:fld id="{AC5057A5-7B50-F146-AD5E-2E1A34655ECF}" type="datetimeFigureOut">
               <a:rPr lang="en-US" smtClean="0"/>
-              <a:t>10/22/18</a:t>
+              <a:t>3/8/19</a:t>
             </a:fld>
             <a:endParaRPr lang="en-US"/>
           </a:p>
@@ -2247,7 +2252,7 @@
           <a:p>
             <a:fld id="{AC5057A5-7B50-F146-AD5E-2E1A34655ECF}" type="datetimeFigureOut">
               <a:rPr lang="en-US" smtClean="0"/>
-              <a:t>10/22/18</a:t>
+              <a:t>3/8/19</a:t>
             </a:fld>
             <a:endParaRPr lang="en-US"/>
           </a:p>
@@ -2388,7 +2393,7 @@
           <a:p>
             <a:fld id="{AC5057A5-7B50-F146-AD5E-2E1A34655ECF}" type="datetimeFigureOut">
               <a:rPr lang="en-US" smtClean="0"/>
-              <a:t>10/22/18</a:t>
+              <a:t>3/8/19</a:t>
             </a:fld>
             <a:endParaRPr lang="en-US"/>
           </a:p>
@@ -2501,7 +2506,7 @@
           <a:p>
             <a:fld id="{AC5057A5-7B50-F146-AD5E-2E1A34655ECF}" type="datetimeFigureOut">
               <a:rPr lang="en-US" smtClean="0"/>
-              <a:t>10/22/18</a:t>
+              <a:t>3/8/19</a:t>
             </a:fld>
             <a:endParaRPr lang="en-US"/>
           </a:p>
@@ -2812,7 +2817,7 @@
           <a:p>
             <a:fld id="{AC5057A5-7B50-F146-AD5E-2E1A34655ECF}" type="datetimeFigureOut">
               <a:rPr lang="en-US" smtClean="0"/>
-              <a:t>10/22/18</a:t>
+              <a:t>3/8/19</a:t>
             </a:fld>
             <a:endParaRPr lang="en-US"/>
           </a:p>
@@ -3100,7 +3105,7 @@
           <a:p>
             <a:fld id="{AC5057A5-7B50-F146-AD5E-2E1A34655ECF}" type="datetimeFigureOut">
               <a:rPr lang="en-US" smtClean="0"/>
-              <a:t>10/22/18</a:t>
+              <a:t>3/8/19</a:t>
             </a:fld>
             <a:endParaRPr lang="en-US"/>
           </a:p>
@@ -3341,7 +3346,7 @@
           <a:p>
             <a:fld id="{AC5057A5-7B50-F146-AD5E-2E1A34655ECF}" type="datetimeFigureOut">
               <a:rPr lang="en-US" smtClean="0"/>
-              <a:t>10/22/18</a:t>
+              <a:t>3/8/19</a:t>
             </a:fld>
             <a:endParaRPr lang="en-US"/>
           </a:p>
@@ -3932,8 +3937,8 @@
           </a:stretch>
         </p:blipFill>
         <p:spPr>
-          <a:xfrm rot="9273838">
-            <a:off x="2025391" y="3597472"/>
+          <a:xfrm rot="2707858" flipV="1">
+            <a:off x="1941613" y="3594733"/>
             <a:ext cx="1931116" cy="1931116"/>
           </a:xfrm>
           <a:prstGeom prst="rect">
@@ -4072,7 +4077,7 @@
         </p:blipFill>
         <p:spPr>
           <a:xfrm>
-            <a:off x="2360166" y="3276357"/>
+            <a:off x="2327999" y="3269678"/>
             <a:ext cx="1794266" cy="1878901"/>
           </a:xfrm>
           <a:prstGeom prst="rect">

--- a/img/front-icons.pptx
+++ b/img/front-icons.pptx
@@ -3777,7 +3777,7 @@
         </p:nvSpPr>
         <p:spPr>
           <a:xfrm>
-            <a:off x="1869672" y="3135130"/>
+            <a:off x="2486858" y="2949775"/>
             <a:ext cx="2622678" cy="2629725"/>
           </a:xfrm>
           <a:prstGeom prst="ellipse">
@@ -3845,7 +3845,7 @@
         </p:blipFill>
         <p:spPr>
           <a:xfrm>
-            <a:off x="5009772" y="3748834"/>
+            <a:off x="5626958" y="3563479"/>
             <a:ext cx="2629725" cy="2629725"/>
           </a:xfrm>
           <a:prstGeom prst="rect">
@@ -3938,7 +3938,7 @@
         </p:blipFill>
         <p:spPr>
           <a:xfrm rot="2707858" flipV="1">
-            <a:off x="1941613" y="3594733"/>
+            <a:off x="2558799" y="3409378"/>
             <a:ext cx="1931116" cy="1931116"/>
           </a:xfrm>
           <a:prstGeom prst="rect">
@@ -4077,7 +4077,7 @@
         </p:blipFill>
         <p:spPr>
           <a:xfrm>
-            <a:off x="2327999" y="3269678"/>
+            <a:off x="2945185" y="3084323"/>
             <a:ext cx="1794266" cy="1878901"/>
           </a:xfrm>
           <a:prstGeom prst="rect">
@@ -4489,7 +4489,7 @@
         </p:blipFill>
         <p:spPr>
           <a:xfrm>
-            <a:off x="2283917" y="203886"/>
+            <a:off x="2901103" y="18531"/>
             <a:ext cx="2654300" cy="2654300"/>
           </a:xfrm>
           <a:prstGeom prst="rect">
